--- a/seminar_presentation_comprehensive.pptx
+++ b/seminar_presentation_comprehensive.pptx
@@ -5,38 +5,38 @@
     <p:sldMasterId id="2147483648" r:id="rId1"/>
   </p:sldMasterIdLst>
   <p:sldIdLst>
-    <p:sldId id="256" r:id="rId2"/>
-    <p:sldId id="257" r:id="rId3"/>
-    <p:sldId id="258" r:id="rId4"/>
-    <p:sldId id="259" r:id="rId5"/>
-    <p:sldId id="260" r:id="rId6"/>
-    <p:sldId id="261" r:id="rId7"/>
-    <p:sldId id="262" r:id="rId8"/>
-    <p:sldId id="263" r:id="rId9"/>
-    <p:sldId id="264" r:id="rId10"/>
-    <p:sldId id="265" r:id="rId11"/>
-    <p:sldId id="266" r:id="rId12"/>
-    <p:sldId id="267" r:id="rId13"/>
-    <p:sldId id="268" r:id="rId14"/>
-    <p:sldId id="269" r:id="rId15"/>
-    <p:sldId id="270" r:id="rId16"/>
-    <p:sldId id="271" r:id="rId17"/>
-    <p:sldId id="272" r:id="rId18"/>
-    <p:sldId id="273" r:id="rId19"/>
-    <p:sldId id="274" r:id="rId20"/>
-    <p:sldId id="275" r:id="rId21"/>
-    <p:sldId id="276" r:id="rId22"/>
-    <p:sldId id="277" r:id="rId23"/>
-    <p:sldId id="278" r:id="rId24"/>
-    <p:sldId id="279" r:id="rId25"/>
-    <p:sldId id="280" r:id="rId26"/>
-    <p:sldId id="281" r:id="rId27"/>
-    <p:sldId id="282" r:id="rId28"/>
-    <p:sldId id="283" r:id="rId29"/>
-    <p:sldId id="284" r:id="rId30"/>
-    <p:sldId id="285" r:id="rId31"/>
-    <p:sldId id="286" r:id="rId32"/>
-    <p:sldId id="287" r:id="rId33"/>
+    <p:sldId id="256" r:id="rId7"/>
+    <p:sldId id="257" r:id="rId8"/>
+    <p:sldId id="258" r:id="rId9"/>
+    <p:sldId id="259" r:id="rId10"/>
+    <p:sldId id="260" r:id="rId11"/>
+    <p:sldId id="261" r:id="rId12"/>
+    <p:sldId id="262" r:id="rId13"/>
+    <p:sldId id="263" r:id="rId14"/>
+    <p:sldId id="264" r:id="rId15"/>
+    <p:sldId id="265" r:id="rId16"/>
+    <p:sldId id="266" r:id="rId17"/>
+    <p:sldId id="267" r:id="rId18"/>
+    <p:sldId id="268" r:id="rId19"/>
+    <p:sldId id="269" r:id="rId20"/>
+    <p:sldId id="270" r:id="rId21"/>
+    <p:sldId id="271" r:id="rId22"/>
+    <p:sldId id="272" r:id="rId23"/>
+    <p:sldId id="273" r:id="rId24"/>
+    <p:sldId id="274" r:id="rId25"/>
+    <p:sldId id="275" r:id="rId26"/>
+    <p:sldId id="276" r:id="rId27"/>
+    <p:sldId id="277" r:id="rId28"/>
+    <p:sldId id="278" r:id="rId29"/>
+    <p:sldId id="279" r:id="rId30"/>
+    <p:sldId id="280" r:id="rId31"/>
+    <p:sldId id="281" r:id="rId32"/>
+    <p:sldId id="282" r:id="rId33"/>
+    <p:sldId id="283" r:id="rId34"/>
+    <p:sldId id="284" r:id="rId35"/>
+    <p:sldId id="285" r:id="rId36"/>
+    <p:sldId id="286" r:id="rId37"/>
+    <p:sldId id="287" r:id="rId38"/>
   </p:sldIdLst>
   <p:sldSz cx="9144000" cy="6858000" type="screen4x3"/>
   <p:notesSz cx="6858000" cy="9144000"/>
@@ -135,31 +135,12 @@
       </a:defRPr>
     </a:lvl9pPr>
   </p:defaultTextStyle>
-  <p:extLst>
-    <p:ext uri="{EFAFB233-063F-42B5-8137-9DF3F51BA10A}">
-      <p15:sldGuideLst xmlns:p15="http://schemas.microsoft.com/office/powerpoint/2012/main">
-        <p15:guide id="1" orient="horz" pos="2160">
-          <p15:clr>
-            <a:srgbClr val="A4A3A4"/>
-          </p15:clr>
-        </p15:guide>
-        <p15:guide id="2" pos="2880">
-          <p15:clr>
-            <a:srgbClr val="A4A3A4"/>
-          </p15:clr>
-        </p15:guide>
-      </p15:sldGuideLst>
-    </p:ext>
-  </p:extLst>
 </p:presentation>
 </file>
 
 <file path=ppt/charts/chart1.xml><?xml version="1.0" encoding="utf-8"?>
-<c:chartSpace xmlns:c="http://schemas.openxmlformats.org/drawingml/2006/chart" xmlns:a="http://schemas.openxmlformats.org/drawingml/2006/main" xmlns:r="http://schemas.openxmlformats.org/officeDocument/2006/relationships" xmlns:c16r2="http://schemas.microsoft.com/office/drawing/2015/06/chart">
+<c:chartSpace xmlns:c="http://schemas.openxmlformats.org/drawingml/2006/chart" xmlns:a="http://schemas.openxmlformats.org/drawingml/2006/main" xmlns:r="http://schemas.openxmlformats.org/officeDocument/2006/relationships">
   <c:date1904 val="0"/>
-  <c:lang val="en-US"/>
-  <c:roundedCorners val="1"/>
-  <c:style val="2"/>
   <c:chart>
     <c:title>
       <c:tx>
@@ -168,21 +149,19 @@
           <a:lstStyle/>
           <a:p>
             <a:r>
-              <a:rPr lang="en-US"/>
               <a:t>Global and Indian Life Expectancy</a:t>
             </a:r>
           </a:p>
         </c:rich>
       </c:tx>
+      <c:layout/>
       <c:overlay val="0"/>
     </c:title>
     <c:autoTitleDeleted val="0"/>
     <c:plotArea>
-      <c:layout/>
       <c:barChart>
         <c:barDir val="col"/>
         <c:grouping val="clustered"/>
-        <c:varyColors val="1"/>
         <c:ser>
           <c:idx val="0"/>
           <c:order val="0"/>
@@ -197,7 +176,6 @@
               </c:strCache>
             </c:strRef>
           </c:tx>
-          <c:invertIfNegative val="1"/>
           <c:cat>
             <c:strRef>
               <c:f>Sheet1!$A$2:$A$4</c:f>
@@ -233,21 +211,7 @@
               </c:numCache>
             </c:numRef>
           </c:val>
-          <c:extLst>
-            <c:ext xmlns:c16="http://schemas.microsoft.com/office/drawing/2014/chart" uri="{C3380CC4-5D6E-409C-BE32-E72D297353CC}">
-              <c16:uniqueId val="{00000000-A92D-4EB7-9223-3BA367862A9D}"/>
-            </c:ext>
-          </c:extLst>
         </c:ser>
-        <c:dLbls>
-          <c:showLegendKey val="0"/>
-          <c:showVal val="0"/>
-          <c:showCatName val="0"/>
-          <c:showSerName val="0"/>
-          <c:showPercent val="0"/>
-          <c:showBubbleSize val="0"/>
-        </c:dLbls>
-        <c:gapWidth val="150"/>
         <c:axId val="-2068027336"/>
         <c:axId val="-2113994440"/>
       </c:barChart>
@@ -258,7 +222,6 @@
         </c:scaling>
         <c:delete val="0"/>
         <c:axPos val="b"/>
-        <c:numFmt formatCode="General" sourceLinked="0"/>
         <c:majorTickMark val="out"/>
         <c:minorTickMark val="none"/>
         <c:tickLblPos val="nextTo"/>
@@ -271,24 +234,18 @@
       </c:catAx>
       <c:valAx>
         <c:axId val="-2113994440"/>
-        <c:scaling>
-          <c:orientation val="minMax"/>
-        </c:scaling>
+        <c:scaling/>
         <c:delete val="0"/>
         <c:axPos val="l"/>
         <c:majorGridlines/>
-        <c:numFmt formatCode="General" sourceLinked="1"/>
         <c:majorTickMark val="out"/>
         <c:minorTickMark val="none"/>
         <c:tickLblPos val="nextTo"/>
         <c:crossAx val="-2068027336"/>
         <c:crosses val="autoZero"/>
-        <c:crossBetween val="between"/>
       </c:valAx>
     </c:plotArea>
-    <c:plotVisOnly val="1"/>
     <c:dispBlanksAs val="gap"/>
-    <c:showDLblsOverMax val="1"/>
   </c:chart>
   <c:txPr>
     <a:bodyPr/>
@@ -307,11 +264,8 @@
 </file>
 
 <file path=ppt/charts/chart2.xml><?xml version="1.0" encoding="utf-8"?>
-<c:chartSpace xmlns:c="http://schemas.openxmlformats.org/drawingml/2006/chart" xmlns:a="http://schemas.openxmlformats.org/drawingml/2006/main" xmlns:r="http://schemas.openxmlformats.org/officeDocument/2006/relationships" xmlns:c16r2="http://schemas.microsoft.com/office/drawing/2015/06/chart">
+<c:chartSpace xmlns:c="http://schemas.openxmlformats.org/drawingml/2006/chart" xmlns:a="http://schemas.openxmlformats.org/drawingml/2006/main" xmlns:r="http://schemas.openxmlformats.org/officeDocument/2006/relationships">
   <c:date1904 val="0"/>
-  <c:lang val="en-US"/>
-  <c:roundedCorners val="1"/>
-  <c:style val="2"/>
   <c:chart>
     <c:title>
       <c:tx>
@@ -320,21 +274,19 @@
           <a:lstStyle/>
           <a:p>
             <a:r>
-              <a:rPr lang="en-US"/>
               <a:t>Poverty and Malnutrition in India</a:t>
             </a:r>
           </a:p>
         </c:rich>
       </c:tx>
+      <c:layout/>
       <c:overlay val="0"/>
     </c:title>
     <c:autoTitleDeleted val="0"/>
     <c:plotArea>
-      <c:layout/>
       <c:barChart>
         <c:barDir val="bar"/>
         <c:grouping val="clustered"/>
-        <c:varyColors val="1"/>
         <c:ser>
           <c:idx val="0"/>
           <c:order val="0"/>
@@ -349,7 +301,6 @@
               </c:strCache>
             </c:strRef>
           </c:tx>
-          <c:invertIfNegative val="1"/>
           <c:cat>
             <c:strRef>
               <c:f>Sheet1!$A$2:$A$3</c:f>
@@ -379,21 +330,7 @@
               </c:numCache>
             </c:numRef>
           </c:val>
-          <c:extLst>
-            <c:ext xmlns:c16="http://schemas.microsoft.com/office/drawing/2014/chart" uri="{C3380CC4-5D6E-409C-BE32-E72D297353CC}">
-              <c16:uniqueId val="{00000000-6287-4264-ADEA-9D238F2E7491}"/>
-            </c:ext>
-          </c:extLst>
         </c:ser>
-        <c:dLbls>
-          <c:showLegendKey val="0"/>
-          <c:showVal val="0"/>
-          <c:showCatName val="0"/>
-          <c:showSerName val="0"/>
-          <c:showPercent val="0"/>
-          <c:showBubbleSize val="0"/>
-        </c:dLbls>
-        <c:gapWidth val="150"/>
         <c:axId val="-2068027336"/>
         <c:axId val="-2113994440"/>
       </c:barChart>
@@ -404,7 +341,6 @@
         </c:scaling>
         <c:delete val="0"/>
         <c:axPos val="l"/>
-        <c:numFmt formatCode="General" sourceLinked="0"/>
         <c:majorTickMark val="out"/>
         <c:minorTickMark val="none"/>
         <c:tickLblPos val="nextTo"/>
@@ -417,24 +353,18 @@
       </c:catAx>
       <c:valAx>
         <c:axId val="-2113994440"/>
-        <c:scaling>
-          <c:orientation val="minMax"/>
-        </c:scaling>
+        <c:scaling/>
         <c:delete val="0"/>
         <c:axPos val="b"/>
         <c:majorGridlines/>
-        <c:numFmt formatCode="General" sourceLinked="1"/>
         <c:majorTickMark val="out"/>
         <c:minorTickMark val="none"/>
         <c:tickLblPos val="nextTo"/>
         <c:crossAx val="-2068027336"/>
         <c:crosses val="autoZero"/>
-        <c:crossBetween val="between"/>
       </c:valAx>
     </c:plotArea>
-    <c:plotVisOnly val="1"/>
     <c:dispBlanksAs val="gap"/>
-    <c:showDLblsOverMax val="1"/>
   </c:chart>
   <c:txPr>
     <a:bodyPr/>
@@ -490,9 +420,10 @@
           <a:lstStyle/>
           <a:p>
             <a:r>
-              <a:rPr lang="en-US"/>
+              <a:rPr lang="en-US" smtClean="0"/>
               <a:t>Click to edit Master title style</a:t>
             </a:r>
+            <a:endParaRPr lang="en-US"/>
           </a:p>
         </p:txBody>
       </p:sp>
@@ -608,9 +539,10 @@
           </a:lstStyle>
           <a:p>
             <a:r>
-              <a:rPr lang="en-US"/>
+              <a:rPr lang="en-US" smtClean="0"/>
               <a:t>Click to edit Master subtitle style</a:t>
             </a:r>
+            <a:endParaRPr lang="en-US"/>
           </a:p>
         </p:txBody>
       </p:sp>
@@ -631,7 +563,7 @@
           <a:p>
             <a:fld id="{5BCAD085-E8A6-8845-BD4E-CB4CCA059FC4}" type="datetimeFigureOut">
               <a:rPr lang="en-US" smtClean="0"/>
-              <a:t>10/24/2025</a:t>
+              <a:t>1/27/13</a:t>
             </a:fld>
             <a:endParaRPr lang="en-US"/>
           </a:p>
@@ -725,9 +657,10 @@
           <a:lstStyle/>
           <a:p>
             <a:r>
-              <a:rPr lang="en-US"/>
+              <a:rPr lang="en-US" smtClean="0"/>
               <a:t>Click to edit Master title style</a:t>
             </a:r>
+            <a:endParaRPr lang="en-US"/>
           </a:p>
         </p:txBody>
       </p:sp>
@@ -748,37 +681,38 @@
           <a:p>
             <a:pPr lvl="0"/>
             <a:r>
-              <a:rPr lang="en-US"/>
+              <a:rPr lang="en-US" smtClean="0"/>
               <a:t>Click to edit Master text styles</a:t>
             </a:r>
           </a:p>
           <a:p>
             <a:pPr lvl="1"/>
             <a:r>
-              <a:rPr lang="en-US"/>
+              <a:rPr lang="en-US" smtClean="0"/>
               <a:t>Second level</a:t>
             </a:r>
           </a:p>
           <a:p>
             <a:pPr lvl="2"/>
             <a:r>
-              <a:rPr lang="en-US"/>
+              <a:rPr lang="en-US" smtClean="0"/>
               <a:t>Third level</a:t>
             </a:r>
           </a:p>
           <a:p>
             <a:pPr lvl="3"/>
             <a:r>
-              <a:rPr lang="en-US"/>
+              <a:rPr lang="en-US" smtClean="0"/>
               <a:t>Fourth level</a:t>
             </a:r>
           </a:p>
           <a:p>
             <a:pPr lvl="4"/>
             <a:r>
-              <a:rPr lang="en-US"/>
+              <a:rPr lang="en-US" smtClean="0"/>
               <a:t>Fifth level</a:t>
             </a:r>
+            <a:endParaRPr lang="en-US"/>
           </a:p>
         </p:txBody>
       </p:sp>
@@ -799,7 +733,7 @@
           <a:p>
             <a:fld id="{5BCAD085-E8A6-8845-BD4E-CB4CCA059FC4}" type="datetimeFigureOut">
               <a:rPr lang="en-US" smtClean="0"/>
-              <a:t>10/24/2025</a:t>
+              <a:t>1/27/13</a:t>
             </a:fld>
             <a:endParaRPr lang="en-US"/>
           </a:p>
@@ -898,9 +832,10 @@
           <a:lstStyle/>
           <a:p>
             <a:r>
-              <a:rPr lang="en-US"/>
+              <a:rPr lang="en-US" smtClean="0"/>
               <a:t>Click to edit Master title style</a:t>
             </a:r>
+            <a:endParaRPr lang="en-US"/>
           </a:p>
         </p:txBody>
       </p:sp>
@@ -926,37 +861,38 @@
           <a:p>
             <a:pPr lvl="0"/>
             <a:r>
-              <a:rPr lang="en-US"/>
+              <a:rPr lang="en-US" smtClean="0"/>
               <a:t>Click to edit Master text styles</a:t>
             </a:r>
           </a:p>
           <a:p>
             <a:pPr lvl="1"/>
             <a:r>
-              <a:rPr lang="en-US"/>
+              <a:rPr lang="en-US" smtClean="0"/>
               <a:t>Second level</a:t>
             </a:r>
           </a:p>
           <a:p>
             <a:pPr lvl="2"/>
             <a:r>
-              <a:rPr lang="en-US"/>
+              <a:rPr lang="en-US" smtClean="0"/>
               <a:t>Third level</a:t>
             </a:r>
           </a:p>
           <a:p>
             <a:pPr lvl="3"/>
             <a:r>
-              <a:rPr lang="en-US"/>
+              <a:rPr lang="en-US" smtClean="0"/>
               <a:t>Fourth level</a:t>
             </a:r>
           </a:p>
           <a:p>
             <a:pPr lvl="4"/>
             <a:r>
-              <a:rPr lang="en-US"/>
+              <a:rPr lang="en-US" smtClean="0"/>
               <a:t>Fifth level</a:t>
             </a:r>
+            <a:endParaRPr lang="en-US"/>
           </a:p>
         </p:txBody>
       </p:sp>
@@ -977,7 +913,7 @@
           <a:p>
             <a:fld id="{5BCAD085-E8A6-8845-BD4E-CB4CCA059FC4}" type="datetimeFigureOut">
               <a:rPr lang="en-US" smtClean="0"/>
-              <a:t>10/24/2025</a:t>
+              <a:t>1/27/13</a:t>
             </a:fld>
             <a:endParaRPr lang="en-US"/>
           </a:p>
@@ -1071,9 +1007,10 @@
           <a:lstStyle/>
           <a:p>
             <a:r>
-              <a:rPr lang="en-US"/>
+              <a:rPr lang="en-US" smtClean="0"/>
               <a:t>Click to edit Master title style</a:t>
             </a:r>
+            <a:endParaRPr lang="en-US"/>
           </a:p>
         </p:txBody>
       </p:sp>
@@ -1094,37 +1031,38 @@
           <a:p>
             <a:pPr lvl="0"/>
             <a:r>
-              <a:rPr lang="en-US"/>
+              <a:rPr lang="en-US" smtClean="0"/>
               <a:t>Click to edit Master text styles</a:t>
             </a:r>
           </a:p>
           <a:p>
             <a:pPr lvl="1"/>
             <a:r>
-              <a:rPr lang="en-US"/>
+              <a:rPr lang="en-US" smtClean="0"/>
               <a:t>Second level</a:t>
             </a:r>
           </a:p>
           <a:p>
             <a:pPr lvl="2"/>
             <a:r>
-              <a:rPr lang="en-US"/>
+              <a:rPr lang="en-US" smtClean="0"/>
               <a:t>Third level</a:t>
             </a:r>
           </a:p>
           <a:p>
             <a:pPr lvl="3"/>
             <a:r>
-              <a:rPr lang="en-US"/>
+              <a:rPr lang="en-US" smtClean="0"/>
               <a:t>Fourth level</a:t>
             </a:r>
           </a:p>
           <a:p>
             <a:pPr lvl="4"/>
             <a:r>
-              <a:rPr lang="en-US"/>
+              <a:rPr lang="en-US" smtClean="0"/>
               <a:t>Fifth level</a:t>
             </a:r>
+            <a:endParaRPr lang="en-US"/>
           </a:p>
         </p:txBody>
       </p:sp>
@@ -1145,7 +1083,7 @@
           <a:p>
             <a:fld id="{5BCAD085-E8A6-8845-BD4E-CB4CCA059FC4}" type="datetimeFigureOut">
               <a:rPr lang="en-US" smtClean="0"/>
-              <a:t>10/24/2025</a:t>
+              <a:t>1/27/13</a:t>
             </a:fld>
             <a:endParaRPr lang="en-US"/>
           </a:p>
@@ -1248,9 +1186,10 @@
           </a:lstStyle>
           <a:p>
             <a:r>
-              <a:rPr lang="en-US"/>
+              <a:rPr lang="en-US" smtClean="0"/>
               <a:t>Click to edit Master title style</a:t>
             </a:r>
+            <a:endParaRPr lang="en-US"/>
           </a:p>
         </p:txBody>
       </p:sp>
@@ -1367,7 +1306,7 @@
           <a:p>
             <a:pPr lvl="0"/>
             <a:r>
-              <a:rPr lang="en-US"/>
+              <a:rPr lang="en-US" smtClean="0"/>
               <a:t>Click to edit Master text styles</a:t>
             </a:r>
           </a:p>
@@ -1390,7 +1329,7 @@
           <a:p>
             <a:fld id="{5BCAD085-E8A6-8845-BD4E-CB4CCA059FC4}" type="datetimeFigureOut">
               <a:rPr lang="en-US" smtClean="0"/>
-              <a:t>10/24/2025</a:t>
+              <a:t>1/27/13</a:t>
             </a:fld>
             <a:endParaRPr lang="en-US"/>
           </a:p>
@@ -1484,9 +1423,10 @@
           <a:lstStyle/>
           <a:p>
             <a:r>
-              <a:rPr lang="en-US"/>
+              <a:rPr lang="en-US" smtClean="0"/>
               <a:t>Click to edit Master title style</a:t>
             </a:r>
+            <a:endParaRPr lang="en-US"/>
           </a:p>
         </p:txBody>
       </p:sp>
@@ -1540,37 +1480,38 @@
           <a:p>
             <a:pPr lvl="0"/>
             <a:r>
-              <a:rPr lang="en-US"/>
+              <a:rPr lang="en-US" smtClean="0"/>
               <a:t>Click to edit Master text styles</a:t>
             </a:r>
           </a:p>
           <a:p>
             <a:pPr lvl="1"/>
             <a:r>
-              <a:rPr lang="en-US"/>
+              <a:rPr lang="en-US" smtClean="0"/>
               <a:t>Second level</a:t>
             </a:r>
           </a:p>
           <a:p>
             <a:pPr lvl="2"/>
             <a:r>
-              <a:rPr lang="en-US"/>
+              <a:rPr lang="en-US" smtClean="0"/>
               <a:t>Third level</a:t>
             </a:r>
           </a:p>
           <a:p>
             <a:pPr lvl="3"/>
             <a:r>
-              <a:rPr lang="en-US"/>
+              <a:rPr lang="en-US" smtClean="0"/>
               <a:t>Fourth level</a:t>
             </a:r>
           </a:p>
           <a:p>
             <a:pPr lvl="4"/>
             <a:r>
-              <a:rPr lang="en-US"/>
+              <a:rPr lang="en-US" smtClean="0"/>
               <a:t>Fifth level</a:t>
             </a:r>
+            <a:endParaRPr lang="en-US"/>
           </a:p>
         </p:txBody>
       </p:sp>
@@ -1624,37 +1565,38 @@
           <a:p>
             <a:pPr lvl="0"/>
             <a:r>
-              <a:rPr lang="en-US"/>
+              <a:rPr lang="en-US" smtClean="0"/>
               <a:t>Click to edit Master text styles</a:t>
             </a:r>
           </a:p>
           <a:p>
             <a:pPr lvl="1"/>
             <a:r>
-              <a:rPr lang="en-US"/>
+              <a:rPr lang="en-US" smtClean="0"/>
               <a:t>Second level</a:t>
             </a:r>
           </a:p>
           <a:p>
             <a:pPr lvl="2"/>
             <a:r>
-              <a:rPr lang="en-US"/>
+              <a:rPr lang="en-US" smtClean="0"/>
               <a:t>Third level</a:t>
             </a:r>
           </a:p>
           <a:p>
             <a:pPr lvl="3"/>
             <a:r>
-              <a:rPr lang="en-US"/>
+              <a:rPr lang="en-US" smtClean="0"/>
               <a:t>Fourth level</a:t>
             </a:r>
           </a:p>
           <a:p>
             <a:pPr lvl="4"/>
             <a:r>
-              <a:rPr lang="en-US"/>
+              <a:rPr lang="en-US" smtClean="0"/>
               <a:t>Fifth level</a:t>
             </a:r>
+            <a:endParaRPr lang="en-US"/>
           </a:p>
         </p:txBody>
       </p:sp>
@@ -1675,7 +1617,7 @@
           <a:p>
             <a:fld id="{5BCAD085-E8A6-8845-BD4E-CB4CCA059FC4}" type="datetimeFigureOut">
               <a:rPr lang="en-US" smtClean="0"/>
-              <a:t>10/24/2025</a:t>
+              <a:t>1/27/13</a:t>
             </a:fld>
             <a:endParaRPr lang="en-US"/>
           </a:p>
@@ -1773,9 +1715,10 @@
           </a:lstStyle>
           <a:p>
             <a:r>
-              <a:rPr lang="en-US"/>
+              <a:rPr lang="en-US" smtClean="0"/>
               <a:t>Click to edit Master title style</a:t>
             </a:r>
+            <a:endParaRPr lang="en-US"/>
           </a:p>
         </p:txBody>
       </p:sp>
@@ -1838,7 +1781,7 @@
           <a:p>
             <a:pPr lvl="0"/>
             <a:r>
-              <a:rPr lang="en-US"/>
+              <a:rPr lang="en-US" smtClean="0"/>
               <a:t>Click to edit Master text styles</a:t>
             </a:r>
           </a:p>
@@ -1894,37 +1837,38 @@
           <a:p>
             <a:pPr lvl="0"/>
             <a:r>
-              <a:rPr lang="en-US"/>
+              <a:rPr lang="en-US" smtClean="0"/>
               <a:t>Click to edit Master text styles</a:t>
             </a:r>
           </a:p>
           <a:p>
             <a:pPr lvl="1"/>
             <a:r>
-              <a:rPr lang="en-US"/>
+              <a:rPr lang="en-US" smtClean="0"/>
               <a:t>Second level</a:t>
             </a:r>
           </a:p>
           <a:p>
             <a:pPr lvl="2"/>
             <a:r>
-              <a:rPr lang="en-US"/>
+              <a:rPr lang="en-US" smtClean="0"/>
               <a:t>Third level</a:t>
             </a:r>
           </a:p>
           <a:p>
             <a:pPr lvl="3"/>
             <a:r>
-              <a:rPr lang="en-US"/>
+              <a:rPr lang="en-US" smtClean="0"/>
               <a:t>Fourth level</a:t>
             </a:r>
           </a:p>
           <a:p>
             <a:pPr lvl="4"/>
             <a:r>
-              <a:rPr lang="en-US"/>
+              <a:rPr lang="en-US" smtClean="0"/>
               <a:t>Fifth level</a:t>
             </a:r>
+            <a:endParaRPr lang="en-US"/>
           </a:p>
         </p:txBody>
       </p:sp>
@@ -1987,7 +1931,7 @@
           <a:p>
             <a:pPr lvl="0"/>
             <a:r>
-              <a:rPr lang="en-US"/>
+              <a:rPr lang="en-US" smtClean="0"/>
               <a:t>Click to edit Master text styles</a:t>
             </a:r>
           </a:p>
@@ -2043,37 +1987,38 @@
           <a:p>
             <a:pPr lvl="0"/>
             <a:r>
-              <a:rPr lang="en-US"/>
+              <a:rPr lang="en-US" smtClean="0"/>
               <a:t>Click to edit Master text styles</a:t>
             </a:r>
           </a:p>
           <a:p>
             <a:pPr lvl="1"/>
             <a:r>
-              <a:rPr lang="en-US"/>
+              <a:rPr lang="en-US" smtClean="0"/>
               <a:t>Second level</a:t>
             </a:r>
           </a:p>
           <a:p>
             <a:pPr lvl="2"/>
             <a:r>
-              <a:rPr lang="en-US"/>
+              <a:rPr lang="en-US" smtClean="0"/>
               <a:t>Third level</a:t>
             </a:r>
           </a:p>
           <a:p>
             <a:pPr lvl="3"/>
             <a:r>
-              <a:rPr lang="en-US"/>
+              <a:rPr lang="en-US" smtClean="0"/>
               <a:t>Fourth level</a:t>
             </a:r>
           </a:p>
           <a:p>
             <a:pPr lvl="4"/>
             <a:r>
-              <a:rPr lang="en-US"/>
+              <a:rPr lang="en-US" smtClean="0"/>
               <a:t>Fifth level</a:t>
             </a:r>
+            <a:endParaRPr lang="en-US"/>
           </a:p>
         </p:txBody>
       </p:sp>
@@ -2094,7 +2039,7 @@
           <a:p>
             <a:fld id="{5BCAD085-E8A6-8845-BD4E-CB4CCA059FC4}" type="datetimeFigureOut">
               <a:rPr lang="en-US" smtClean="0"/>
-              <a:t>10/24/2025</a:t>
+              <a:t>1/27/13</a:t>
             </a:fld>
             <a:endParaRPr lang="en-US"/>
           </a:p>
@@ -2188,9 +2133,10 @@
           <a:lstStyle/>
           <a:p>
             <a:r>
-              <a:rPr lang="en-US"/>
+              <a:rPr lang="en-US" smtClean="0"/>
               <a:t>Click to edit Master title style</a:t>
             </a:r>
+            <a:endParaRPr lang="en-US"/>
           </a:p>
         </p:txBody>
       </p:sp>
@@ -2211,7 +2157,7 @@
           <a:p>
             <a:fld id="{5BCAD085-E8A6-8845-BD4E-CB4CCA059FC4}" type="datetimeFigureOut">
               <a:rPr lang="en-US" smtClean="0"/>
-              <a:t>10/24/2025</a:t>
+              <a:t>1/27/13</a:t>
             </a:fld>
             <a:endParaRPr lang="en-US"/>
           </a:p>
@@ -2306,7 +2252,7 @@
           <a:p>
             <a:fld id="{5BCAD085-E8A6-8845-BD4E-CB4CCA059FC4}" type="datetimeFigureOut">
               <a:rPr lang="en-US" smtClean="0"/>
-              <a:t>10/24/2025</a:t>
+              <a:t>1/27/13</a:t>
             </a:fld>
             <a:endParaRPr lang="en-US"/>
           </a:p>
@@ -2409,9 +2355,10 @@
           </a:lstStyle>
           <a:p>
             <a:r>
-              <a:rPr lang="en-US"/>
+              <a:rPr lang="en-US" smtClean="0"/>
               <a:t>Click to edit Master title style</a:t>
             </a:r>
+            <a:endParaRPr lang="en-US"/>
           </a:p>
         </p:txBody>
       </p:sp>
@@ -2465,37 +2412,38 @@
           <a:p>
             <a:pPr lvl="0"/>
             <a:r>
-              <a:rPr lang="en-US"/>
+              <a:rPr lang="en-US" smtClean="0"/>
               <a:t>Click to edit Master text styles</a:t>
             </a:r>
           </a:p>
           <a:p>
             <a:pPr lvl="1"/>
             <a:r>
-              <a:rPr lang="en-US"/>
+              <a:rPr lang="en-US" smtClean="0"/>
               <a:t>Second level</a:t>
             </a:r>
           </a:p>
           <a:p>
             <a:pPr lvl="2"/>
             <a:r>
-              <a:rPr lang="en-US"/>
+              <a:rPr lang="en-US" smtClean="0"/>
               <a:t>Third level</a:t>
             </a:r>
           </a:p>
           <a:p>
             <a:pPr lvl="3"/>
             <a:r>
-              <a:rPr lang="en-US"/>
+              <a:rPr lang="en-US" smtClean="0"/>
               <a:t>Fourth level</a:t>
             </a:r>
           </a:p>
           <a:p>
             <a:pPr lvl="4"/>
             <a:r>
-              <a:rPr lang="en-US"/>
+              <a:rPr lang="en-US" smtClean="0"/>
               <a:t>Fifth level</a:t>
             </a:r>
+            <a:endParaRPr lang="en-US"/>
           </a:p>
         </p:txBody>
       </p:sp>
@@ -2558,7 +2506,7 @@
           <a:p>
             <a:pPr lvl="0"/>
             <a:r>
-              <a:rPr lang="en-US"/>
+              <a:rPr lang="en-US" smtClean="0"/>
               <a:t>Click to edit Master text styles</a:t>
             </a:r>
           </a:p>
@@ -2581,7 +2529,7 @@
           <a:p>
             <a:fld id="{5BCAD085-E8A6-8845-BD4E-CB4CCA059FC4}" type="datetimeFigureOut">
               <a:rPr lang="en-US" smtClean="0"/>
-              <a:t>10/24/2025</a:t>
+              <a:t>1/27/13</a:t>
             </a:fld>
             <a:endParaRPr lang="en-US"/>
           </a:p>
@@ -2684,9 +2632,10 @@
           </a:lstStyle>
           <a:p>
             <a:r>
-              <a:rPr lang="en-US"/>
+              <a:rPr lang="en-US" smtClean="0"/>
               <a:t>Click to edit Master title style</a:t>
             </a:r>
+            <a:endParaRPr lang="en-US"/>
           </a:p>
         </p:txBody>
       </p:sp>
@@ -2810,7 +2759,7 @@
           <a:p>
             <a:pPr lvl="0"/>
             <a:r>
-              <a:rPr lang="en-US"/>
+              <a:rPr lang="en-US" smtClean="0"/>
               <a:t>Click to edit Master text styles</a:t>
             </a:r>
           </a:p>
@@ -2833,7 +2782,7 @@
           <a:p>
             <a:fld id="{5BCAD085-E8A6-8845-BD4E-CB4CCA059FC4}" type="datetimeFigureOut">
               <a:rPr lang="en-US" smtClean="0"/>
-              <a:t>10/24/2025</a:t>
+              <a:t>1/27/13</a:t>
             </a:fld>
             <a:endParaRPr lang="en-US"/>
           </a:p>
@@ -2942,9 +2891,10 @@
           <a:lstStyle/>
           <a:p>
             <a:r>
-              <a:rPr lang="en-US"/>
+              <a:rPr lang="en-US" smtClean="0"/>
               <a:t>Click to edit Master title style</a:t>
             </a:r>
+            <a:endParaRPr lang="en-US"/>
           </a:p>
         </p:txBody>
       </p:sp>
@@ -2975,37 +2925,38 @@
           <a:p>
             <a:pPr lvl="0"/>
             <a:r>
-              <a:rPr lang="en-US"/>
+              <a:rPr lang="en-US" smtClean="0"/>
               <a:t>Click to edit Master text styles</a:t>
             </a:r>
           </a:p>
           <a:p>
             <a:pPr lvl="1"/>
             <a:r>
-              <a:rPr lang="en-US"/>
+              <a:rPr lang="en-US" smtClean="0"/>
               <a:t>Second level</a:t>
             </a:r>
           </a:p>
           <a:p>
             <a:pPr lvl="2"/>
             <a:r>
-              <a:rPr lang="en-US"/>
+              <a:rPr lang="en-US" smtClean="0"/>
               <a:t>Third level</a:t>
             </a:r>
           </a:p>
           <a:p>
             <a:pPr lvl="3"/>
             <a:r>
-              <a:rPr lang="en-US"/>
+              <a:rPr lang="en-US" smtClean="0"/>
               <a:t>Fourth level</a:t>
             </a:r>
           </a:p>
           <a:p>
             <a:pPr lvl="4"/>
             <a:r>
-              <a:rPr lang="en-US"/>
+              <a:rPr lang="en-US" smtClean="0"/>
               <a:t>Fifth level</a:t>
             </a:r>
+            <a:endParaRPr lang="en-US"/>
           </a:p>
         </p:txBody>
       </p:sp>
@@ -3044,7 +2995,7 @@
           <a:p>
             <a:fld id="{5BCAD085-E8A6-8845-BD4E-CB4CCA059FC4}" type="datetimeFigureOut">
               <a:rPr lang="en-US" smtClean="0"/>
-              <a:t>10/24/2025</a:t>
+              <a:t>1/27/13</a:t>
             </a:fld>
             <a:endParaRPr lang="en-US"/>
           </a:p>
@@ -3403,7 +3354,7 @@
 </file>
 
 <file path=ppt/slides/slide1.xml><?xml version="1.0" encoding="utf-8"?>
-<p:sld xmlns:a="http://schemas.openxmlformats.org/drawingml/2006/main" xmlns:r="http://schemas.openxmlformats.org/officeDocument/2006/relationships" xmlns:p="http://schemas.openxmlformats.org/presentationml/2006/main">
+<p:sld xmlns:a="http://schemas.openxmlformats.org/drawingml/2006/main" xmlns:p="http://schemas.openxmlformats.org/presentationml/2006/main" xmlns:r="http://schemas.openxmlformats.org/officeDocument/2006/relationships">
   <p:cSld>
     <p:spTree>
       <p:nvGrpSpPr>
@@ -3411,14 +3362,7 @@
         <p:cNvGrpSpPr/>
         <p:nvPr/>
       </p:nvGrpSpPr>
-      <p:grpSpPr>
-        <a:xfrm>
-          <a:off x="0" y="0"/>
-          <a:ext cx="0" cy="0"/>
-          <a:chOff x="0" y="0"/>
-          <a:chExt cx="0" cy="0"/>
-        </a:xfrm>
-      </p:grpSpPr>
+      <p:grpSpPr/>
       <p:sp>
         <p:nvSpPr>
           <p:cNvPr id="2" name="Title 1"/>
@@ -3485,7 +3429,7 @@
 </file>
 
 <file path=ppt/slides/slide10.xml><?xml version="1.0" encoding="utf-8"?>
-<p:sld xmlns:a="http://schemas.openxmlformats.org/drawingml/2006/main" xmlns:r="http://schemas.openxmlformats.org/officeDocument/2006/relationships" xmlns:p="http://schemas.openxmlformats.org/presentationml/2006/main">
+<p:sld xmlns:a="http://schemas.openxmlformats.org/drawingml/2006/main" xmlns:p="http://schemas.openxmlformats.org/presentationml/2006/main" xmlns:r="http://schemas.openxmlformats.org/officeDocument/2006/relationships">
   <p:cSld>
     <p:spTree>
       <p:nvGrpSpPr>
@@ -3493,14 +3437,7 @@
         <p:cNvGrpSpPr/>
         <p:nvPr/>
       </p:nvGrpSpPr>
-      <p:grpSpPr>
-        <a:xfrm>
-          <a:off x="0" y="0"/>
-          <a:ext cx="0" cy="0"/>
-          <a:chOff x="0" y="0"/>
-          <a:chExt cx="0" cy="0"/>
-        </a:xfrm>
-      </p:grpSpPr>
+      <p:grpSpPr/>
       <p:sp>
         <p:nvSpPr>
           <p:cNvPr id="2" name="Title 1"/>
@@ -3562,7 +3499,7 @@
 </file>
 
 <file path=ppt/slides/slide11.xml><?xml version="1.0" encoding="utf-8"?>
-<p:sld xmlns:a="http://schemas.openxmlformats.org/drawingml/2006/main" xmlns:r="http://schemas.openxmlformats.org/officeDocument/2006/relationships" xmlns:p="http://schemas.openxmlformats.org/presentationml/2006/main">
+<p:sld xmlns:a="http://schemas.openxmlformats.org/drawingml/2006/main" xmlns:p="http://schemas.openxmlformats.org/presentationml/2006/main" xmlns:r="http://schemas.openxmlformats.org/officeDocument/2006/relationships">
   <p:cSld>
     <p:spTree>
       <p:nvGrpSpPr>
@@ -3570,14 +3507,7 @@
         <p:cNvGrpSpPr/>
         <p:nvPr/>
       </p:nvGrpSpPr>
-      <p:grpSpPr>
-        <a:xfrm>
-          <a:off x="0" y="0"/>
-          <a:ext cx="0" cy="0"/>
-          <a:chOff x="0" y="0"/>
-          <a:chExt cx="0" cy="0"/>
-        </a:xfrm>
-      </p:grpSpPr>
+      <p:grpSpPr/>
       <p:sp>
         <p:nvSpPr>
           <p:cNvPr id="2" name="Title 1"/>
@@ -3639,7 +3569,7 @@
 </file>
 
 <file path=ppt/slides/slide12.xml><?xml version="1.0" encoding="utf-8"?>
-<p:sld xmlns:a="http://schemas.openxmlformats.org/drawingml/2006/main" xmlns:r="http://schemas.openxmlformats.org/officeDocument/2006/relationships" xmlns:p="http://schemas.openxmlformats.org/presentationml/2006/main">
+<p:sld xmlns:a="http://schemas.openxmlformats.org/drawingml/2006/main" xmlns:p="http://schemas.openxmlformats.org/presentationml/2006/main" xmlns:r="http://schemas.openxmlformats.org/officeDocument/2006/relationships">
   <p:cSld>
     <p:spTree>
       <p:nvGrpSpPr>
@@ -3647,14 +3577,7 @@
         <p:cNvGrpSpPr/>
         <p:nvPr/>
       </p:nvGrpSpPr>
-      <p:grpSpPr>
-        <a:xfrm>
-          <a:off x="0" y="0"/>
-          <a:ext cx="0" cy="0"/>
-          <a:chOff x="0" y="0"/>
-          <a:chExt cx="0" cy="0"/>
-        </a:xfrm>
-      </p:grpSpPr>
+      <p:grpSpPr/>
       <p:sp>
         <p:nvSpPr>
           <p:cNvPr id="2" name="Title 1"/>
@@ -3716,7 +3639,7 @@
 </file>
 
 <file path=ppt/slides/slide13.xml><?xml version="1.0" encoding="utf-8"?>
-<p:sld xmlns:a="http://schemas.openxmlformats.org/drawingml/2006/main" xmlns:r="http://schemas.openxmlformats.org/officeDocument/2006/relationships" xmlns:p="http://schemas.openxmlformats.org/presentationml/2006/main">
+<p:sld xmlns:a="http://schemas.openxmlformats.org/drawingml/2006/main" xmlns:p="http://schemas.openxmlformats.org/presentationml/2006/main" xmlns:r="http://schemas.openxmlformats.org/officeDocument/2006/relationships">
   <p:cSld>
     <p:spTree>
       <p:nvGrpSpPr>
@@ -3724,14 +3647,7 @@
         <p:cNvGrpSpPr/>
         <p:nvPr/>
       </p:nvGrpSpPr>
-      <p:grpSpPr>
-        <a:xfrm>
-          <a:off x="0" y="0"/>
-          <a:ext cx="0" cy="0"/>
-          <a:chOff x="0" y="0"/>
-          <a:chExt cx="0" cy="0"/>
-        </a:xfrm>
-      </p:grpSpPr>
+      <p:grpSpPr/>
       <p:sp>
         <p:nvSpPr>
           <p:cNvPr id="2" name="Title 1"/>
@@ -3788,7 +3704,7 @@
 </file>
 
 <file path=ppt/slides/slide14.xml><?xml version="1.0" encoding="utf-8"?>
-<p:sld xmlns:a="http://schemas.openxmlformats.org/drawingml/2006/main" xmlns:r="http://schemas.openxmlformats.org/officeDocument/2006/relationships" xmlns:p="http://schemas.openxmlformats.org/presentationml/2006/main">
+<p:sld xmlns:a="http://schemas.openxmlformats.org/drawingml/2006/main" xmlns:p="http://schemas.openxmlformats.org/presentationml/2006/main" xmlns:r="http://schemas.openxmlformats.org/officeDocument/2006/relationships">
   <p:cSld>
     <p:spTree>
       <p:nvGrpSpPr>
@@ -3796,14 +3712,7 @@
         <p:cNvGrpSpPr/>
         <p:nvPr/>
       </p:nvGrpSpPr>
-      <p:grpSpPr>
-        <a:xfrm>
-          <a:off x="0" y="0"/>
-          <a:ext cx="0" cy="0"/>
-          <a:chOff x="0" y="0"/>
-          <a:chExt cx="0" cy="0"/>
-        </a:xfrm>
-      </p:grpSpPr>
+      <p:grpSpPr/>
       <p:sp>
         <p:nvSpPr>
           <p:cNvPr id="2" name="Title 1"/>
@@ -3865,7 +3774,7 @@
 </file>
 
 <file path=ppt/slides/slide15.xml><?xml version="1.0" encoding="utf-8"?>
-<p:sld xmlns:a="http://schemas.openxmlformats.org/drawingml/2006/main" xmlns:r="http://schemas.openxmlformats.org/officeDocument/2006/relationships" xmlns:p="http://schemas.openxmlformats.org/presentationml/2006/main">
+<p:sld xmlns:a="http://schemas.openxmlformats.org/drawingml/2006/main" xmlns:p="http://schemas.openxmlformats.org/presentationml/2006/main" xmlns:r="http://schemas.openxmlformats.org/officeDocument/2006/relationships">
   <p:cSld>
     <p:spTree>
       <p:nvGrpSpPr>
@@ -3873,14 +3782,7 @@
         <p:cNvGrpSpPr/>
         <p:nvPr/>
       </p:nvGrpSpPr>
-      <p:grpSpPr>
-        <a:xfrm>
-          <a:off x="0" y="0"/>
-          <a:ext cx="0" cy="0"/>
-          <a:chOff x="0" y="0"/>
-          <a:chExt cx="0" cy="0"/>
-        </a:xfrm>
-      </p:grpSpPr>
+      <p:grpSpPr/>
       <p:sp>
         <p:nvSpPr>
           <p:cNvPr id="2" name="Title 1"/>
@@ -3937,7 +3839,7 @@
 </file>
 
 <file path=ppt/slides/slide16.xml><?xml version="1.0" encoding="utf-8"?>
-<p:sld xmlns:a="http://schemas.openxmlformats.org/drawingml/2006/main" xmlns:r="http://schemas.openxmlformats.org/officeDocument/2006/relationships" xmlns:p="http://schemas.openxmlformats.org/presentationml/2006/main">
+<p:sld xmlns:a="http://schemas.openxmlformats.org/drawingml/2006/main" xmlns:p="http://schemas.openxmlformats.org/presentationml/2006/main" xmlns:r="http://schemas.openxmlformats.org/officeDocument/2006/relationships">
   <p:cSld>
     <p:spTree>
       <p:nvGrpSpPr>
@@ -3945,14 +3847,7 @@
         <p:cNvGrpSpPr/>
         <p:nvPr/>
       </p:nvGrpSpPr>
-      <p:grpSpPr>
-        <a:xfrm>
-          <a:off x="0" y="0"/>
-          <a:ext cx="0" cy="0"/>
-          <a:chOff x="0" y="0"/>
-          <a:chExt cx="0" cy="0"/>
-        </a:xfrm>
-      </p:grpSpPr>
+      <p:grpSpPr/>
       <p:sp>
         <p:nvSpPr>
           <p:cNvPr id="2" name="Title 1"/>
@@ -4014,7 +3909,7 @@
 </file>
 
 <file path=ppt/slides/slide17.xml><?xml version="1.0" encoding="utf-8"?>
-<p:sld xmlns:a="http://schemas.openxmlformats.org/drawingml/2006/main" xmlns:r="http://schemas.openxmlformats.org/officeDocument/2006/relationships" xmlns:p="http://schemas.openxmlformats.org/presentationml/2006/main">
+<p:sld xmlns:a="http://schemas.openxmlformats.org/drawingml/2006/main" xmlns:p="http://schemas.openxmlformats.org/presentationml/2006/main" xmlns:r="http://schemas.openxmlformats.org/officeDocument/2006/relationships">
   <p:cSld>
     <p:spTree>
       <p:nvGrpSpPr>
@@ -4022,14 +3917,7 @@
         <p:cNvGrpSpPr/>
         <p:nvPr/>
       </p:nvGrpSpPr>
-      <p:grpSpPr>
-        <a:xfrm>
-          <a:off x="0" y="0"/>
-          <a:ext cx="0" cy="0"/>
-          <a:chOff x="0" y="0"/>
-          <a:chExt cx="0" cy="0"/>
-        </a:xfrm>
-      </p:grpSpPr>
+      <p:grpSpPr/>
       <p:sp>
         <p:nvSpPr>
           <p:cNvPr id="2" name="Title 1"/>
@@ -4091,7 +3979,7 @@
 </file>
 
 <file path=ppt/slides/slide18.xml><?xml version="1.0" encoding="utf-8"?>
-<p:sld xmlns:a="http://schemas.openxmlformats.org/drawingml/2006/main" xmlns:r="http://schemas.openxmlformats.org/officeDocument/2006/relationships" xmlns:p="http://schemas.openxmlformats.org/presentationml/2006/main">
+<p:sld xmlns:a="http://schemas.openxmlformats.org/drawingml/2006/main" xmlns:p="http://schemas.openxmlformats.org/presentationml/2006/main" xmlns:r="http://schemas.openxmlformats.org/officeDocument/2006/relationships">
   <p:cSld>
     <p:spTree>
       <p:nvGrpSpPr>
@@ -4099,14 +3987,7 @@
         <p:cNvGrpSpPr/>
         <p:nvPr/>
       </p:nvGrpSpPr>
-      <p:grpSpPr>
-        <a:xfrm>
-          <a:off x="0" y="0"/>
-          <a:ext cx="0" cy="0"/>
-          <a:chOff x="0" y="0"/>
-          <a:chExt cx="0" cy="0"/>
-        </a:xfrm>
-      </p:grpSpPr>
+      <p:grpSpPr/>
       <p:sp>
         <p:nvSpPr>
           <p:cNvPr id="2" name="Title 1"/>
@@ -4168,7 +4049,7 @@
 </file>
 
 <file path=ppt/slides/slide19.xml><?xml version="1.0" encoding="utf-8"?>
-<p:sld xmlns:a="http://schemas.openxmlformats.org/drawingml/2006/main" xmlns:r="http://schemas.openxmlformats.org/officeDocument/2006/relationships" xmlns:p="http://schemas.openxmlformats.org/presentationml/2006/main">
+<p:sld xmlns:a="http://schemas.openxmlformats.org/drawingml/2006/main" xmlns:p="http://schemas.openxmlformats.org/presentationml/2006/main" xmlns:r="http://schemas.openxmlformats.org/officeDocument/2006/relationships">
   <p:cSld>
     <p:spTree>
       <p:nvGrpSpPr>
@@ -4176,14 +4057,7 @@
         <p:cNvGrpSpPr/>
         <p:nvPr/>
       </p:nvGrpSpPr>
-      <p:grpSpPr>
-        <a:xfrm>
-          <a:off x="0" y="0"/>
-          <a:ext cx="0" cy="0"/>
-          <a:chOff x="0" y="0"/>
-          <a:chExt cx="0" cy="0"/>
-        </a:xfrm>
-      </p:grpSpPr>
+      <p:grpSpPr/>
       <p:sp>
         <p:nvSpPr>
           <p:cNvPr id="2" name="Title 1"/>
@@ -4245,7 +4119,7 @@
 </file>
 
 <file path=ppt/slides/slide2.xml><?xml version="1.0" encoding="utf-8"?>
-<p:sld xmlns:a="http://schemas.openxmlformats.org/drawingml/2006/main" xmlns:r="http://schemas.openxmlformats.org/officeDocument/2006/relationships" xmlns:p="http://schemas.openxmlformats.org/presentationml/2006/main">
+<p:sld xmlns:a="http://schemas.openxmlformats.org/drawingml/2006/main" xmlns:p="http://schemas.openxmlformats.org/presentationml/2006/main" xmlns:r="http://schemas.openxmlformats.org/officeDocument/2006/relationships">
   <p:cSld>
     <p:spTree>
       <p:nvGrpSpPr>
@@ -4253,14 +4127,7 @@
         <p:cNvGrpSpPr/>
         <p:nvPr/>
       </p:nvGrpSpPr>
-      <p:grpSpPr>
-        <a:xfrm>
-          <a:off x="0" y="0"/>
-          <a:ext cx="0" cy="0"/>
-          <a:chOff x="0" y="0"/>
-          <a:chExt cx="0" cy="0"/>
-        </a:xfrm>
-      </p:grpSpPr>
+      <p:grpSpPr/>
       <p:sp>
         <p:nvSpPr>
           <p:cNvPr id="2" name="Title 1"/>
@@ -4337,7 +4204,7 @@
 </file>
 
 <file path=ppt/slides/slide20.xml><?xml version="1.0" encoding="utf-8"?>
-<p:sld xmlns:a="http://schemas.openxmlformats.org/drawingml/2006/main" xmlns:r="http://schemas.openxmlformats.org/officeDocument/2006/relationships" xmlns:p="http://schemas.openxmlformats.org/presentationml/2006/main">
+<p:sld xmlns:a="http://schemas.openxmlformats.org/drawingml/2006/main" xmlns:p="http://schemas.openxmlformats.org/presentationml/2006/main" xmlns:r="http://schemas.openxmlformats.org/officeDocument/2006/relationships">
   <p:cSld>
     <p:spTree>
       <p:nvGrpSpPr>
@@ -4345,14 +4212,7 @@
         <p:cNvGrpSpPr/>
         <p:nvPr/>
       </p:nvGrpSpPr>
-      <p:grpSpPr>
-        <a:xfrm>
-          <a:off x="0" y="0"/>
-          <a:ext cx="0" cy="0"/>
-          <a:chOff x="0" y="0"/>
-          <a:chExt cx="0" cy="0"/>
-        </a:xfrm>
-      </p:grpSpPr>
+      <p:grpSpPr/>
       <p:sp>
         <p:nvSpPr>
           <p:cNvPr id="2" name="Title 1"/>
@@ -4414,7 +4274,7 @@
 </file>
 
 <file path=ppt/slides/slide21.xml><?xml version="1.0" encoding="utf-8"?>
-<p:sld xmlns:a="http://schemas.openxmlformats.org/drawingml/2006/main" xmlns:r="http://schemas.openxmlformats.org/officeDocument/2006/relationships" xmlns:p="http://schemas.openxmlformats.org/presentationml/2006/main">
+<p:sld xmlns:a="http://schemas.openxmlformats.org/drawingml/2006/main" xmlns:p="http://schemas.openxmlformats.org/presentationml/2006/main" xmlns:r="http://schemas.openxmlformats.org/officeDocument/2006/relationships">
   <p:cSld>
     <p:spTree>
       <p:nvGrpSpPr>
@@ -4422,14 +4282,7 @@
         <p:cNvGrpSpPr/>
         <p:nvPr/>
       </p:nvGrpSpPr>
-      <p:grpSpPr>
-        <a:xfrm>
-          <a:off x="0" y="0"/>
-          <a:ext cx="0" cy="0"/>
-          <a:chOff x="0" y="0"/>
-          <a:chExt cx="0" cy="0"/>
-        </a:xfrm>
-      </p:grpSpPr>
+      <p:grpSpPr/>
       <p:sp>
         <p:nvSpPr>
           <p:cNvPr id="2" name="Title 1"/>
@@ -4491,7 +4344,7 @@
 </file>
 
 <file path=ppt/slides/slide22.xml><?xml version="1.0" encoding="utf-8"?>
-<p:sld xmlns:a="http://schemas.openxmlformats.org/drawingml/2006/main" xmlns:r="http://schemas.openxmlformats.org/officeDocument/2006/relationships" xmlns:p="http://schemas.openxmlformats.org/presentationml/2006/main">
+<p:sld xmlns:a="http://schemas.openxmlformats.org/drawingml/2006/main" xmlns:p="http://schemas.openxmlformats.org/presentationml/2006/main" xmlns:r="http://schemas.openxmlformats.org/officeDocument/2006/relationships">
   <p:cSld>
     <p:spTree>
       <p:nvGrpSpPr>
@@ -4499,14 +4352,7 @@
         <p:cNvGrpSpPr/>
         <p:nvPr/>
       </p:nvGrpSpPr>
-      <p:grpSpPr>
-        <a:xfrm>
-          <a:off x="0" y="0"/>
-          <a:ext cx="0" cy="0"/>
-          <a:chOff x="0" y="0"/>
-          <a:chExt cx="0" cy="0"/>
-        </a:xfrm>
-      </p:grpSpPr>
+      <p:grpSpPr/>
       <p:sp>
         <p:nvSpPr>
           <p:cNvPr id="2" name="Title 1"/>
@@ -4568,7 +4414,7 @@
 </file>
 
 <file path=ppt/slides/slide23.xml><?xml version="1.0" encoding="utf-8"?>
-<p:sld xmlns:a="http://schemas.openxmlformats.org/drawingml/2006/main" xmlns:r="http://schemas.openxmlformats.org/officeDocument/2006/relationships" xmlns:p="http://schemas.openxmlformats.org/presentationml/2006/main">
+<p:sld xmlns:a="http://schemas.openxmlformats.org/drawingml/2006/main" xmlns:p="http://schemas.openxmlformats.org/presentationml/2006/main" xmlns:r="http://schemas.openxmlformats.org/officeDocument/2006/relationships">
   <p:cSld>
     <p:spTree>
       <p:nvGrpSpPr>
@@ -4576,14 +4422,7 @@
         <p:cNvGrpSpPr/>
         <p:nvPr/>
       </p:nvGrpSpPr>
-      <p:grpSpPr>
-        <a:xfrm>
-          <a:off x="0" y="0"/>
-          <a:ext cx="0" cy="0"/>
-          <a:chOff x="0" y="0"/>
-          <a:chExt cx="0" cy="0"/>
-        </a:xfrm>
-      </p:grpSpPr>
+      <p:grpSpPr/>
       <p:sp>
         <p:nvSpPr>
           <p:cNvPr id="2" name="Title 1"/>
@@ -4615,44 +4454,32 @@
             <p:ph idx="1"/>
           </p:nvPr>
         </p:nvSpPr>
-        <p:spPr>
-          <a:xfrm>
-            <a:off x="561109" y="1166018"/>
-            <a:ext cx="8229600" cy="4525963"/>
-          </a:xfrm>
-        </p:spPr>
-        <p:txBody>
-          <a:bodyPr>
-            <a:normAutofit fontScale="85000" lnSpcReduction="10000"/>
-          </a:bodyPr>
-          <a:lstStyle/>
-          <a:p>
-            <a:r>
-              <a:rPr dirty="0"/>
+        <p:spPr/>
+        <p:txBody>
+          <a:bodyPr/>
+          <a:lstStyle/>
+          <a:p>
+            <a:r>
               <a:t>1. Chaturvedi et al. (2024, Hypertension): Social determinants and disparities in hypertension and CVD.</a:t>
             </a:r>
           </a:p>
           <a:p>
             <a:r>
-              <a:rPr dirty="0"/>
               <a:t>2. Lund et al. (2018, The Lancet Psychiatry): Social determinants of mental disorders and SDGs.</a:t>
             </a:r>
           </a:p>
           <a:p>
             <a:r>
-              <a:rPr dirty="0"/>
               <a:t>3. Cowling et al. (2014, Int J Equity Health): Progress and inequities in SDOH across Indian states.</a:t>
             </a:r>
           </a:p>
           <a:p>
             <a:r>
-              <a:rPr dirty="0"/>
               <a:t>4. Victora et al. (2021, The Lancet): Maternal and child undernutrition in LMICs.</a:t>
             </a:r>
           </a:p>
           <a:p>
             <a:r>
-              <a:rPr dirty="0"/>
               <a:t>These articles highlight the role of SDOH in health disparities and the need for targeted interventions.</a:t>
             </a:r>
           </a:p>
@@ -4667,7 +4494,7 @@
 </file>
 
 <file path=ppt/slides/slide24.xml><?xml version="1.0" encoding="utf-8"?>
-<p:sld xmlns:a="http://schemas.openxmlformats.org/drawingml/2006/main" xmlns:r="http://schemas.openxmlformats.org/officeDocument/2006/relationships" xmlns:p="http://schemas.openxmlformats.org/presentationml/2006/main">
+<p:sld xmlns:a="http://schemas.openxmlformats.org/drawingml/2006/main" xmlns:p="http://schemas.openxmlformats.org/presentationml/2006/main" xmlns:r="http://schemas.openxmlformats.org/officeDocument/2006/relationships">
   <p:cSld>
     <p:spTree>
       <p:nvGrpSpPr>
@@ -4675,14 +4502,7 @@
         <p:cNvGrpSpPr/>
         <p:nvPr/>
       </p:nvGrpSpPr>
-      <p:grpSpPr>
-        <a:xfrm>
-          <a:off x="0" y="0"/>
-          <a:ext cx="0" cy="0"/>
-          <a:chOff x="0" y="0"/>
-          <a:chExt cx="0" cy="0"/>
-        </a:xfrm>
-      </p:grpSpPr>
+      <p:grpSpPr/>
       <p:sp>
         <p:nvSpPr>
           <p:cNvPr id="2" name="Title 1"/>
@@ -4718,7 +4538,7 @@
         </p:xfrm>
         <a:graphic>
           <a:graphicData uri="http://schemas.openxmlformats.org/drawingml/2006/chart">
-            <c:chart xmlns:c="http://schemas.openxmlformats.org/drawingml/2006/chart" xmlns:r="http://schemas.openxmlformats.org/officeDocument/2006/relationships" r:id="rId2"/>
+            <c:chart xmlns:c="http://schemas.openxmlformats.org/drawingml/2006/chart" r:id="rId2"/>
           </a:graphicData>
         </a:graphic>
       </p:graphicFrame>
@@ -4731,7 +4551,7 @@
 </file>
 
 <file path=ppt/slides/slide25.xml><?xml version="1.0" encoding="utf-8"?>
-<p:sld xmlns:a="http://schemas.openxmlformats.org/drawingml/2006/main" xmlns:r="http://schemas.openxmlformats.org/officeDocument/2006/relationships" xmlns:p="http://schemas.openxmlformats.org/presentationml/2006/main">
+<p:sld xmlns:a="http://schemas.openxmlformats.org/drawingml/2006/main" xmlns:p="http://schemas.openxmlformats.org/presentationml/2006/main" xmlns:r="http://schemas.openxmlformats.org/officeDocument/2006/relationships">
   <p:cSld>
     <p:spTree>
       <p:nvGrpSpPr>
@@ -4739,14 +4559,7 @@
         <p:cNvGrpSpPr/>
         <p:nvPr/>
       </p:nvGrpSpPr>
-      <p:grpSpPr>
-        <a:xfrm>
-          <a:off x="0" y="0"/>
-          <a:ext cx="0" cy="0"/>
-          <a:chOff x="0" y="0"/>
-          <a:chExt cx="0" cy="0"/>
-        </a:xfrm>
-      </p:grpSpPr>
+      <p:grpSpPr/>
       <p:sp>
         <p:nvSpPr>
           <p:cNvPr id="2" name="Title 1"/>
@@ -4782,7 +4595,7 @@
         </p:xfrm>
         <a:graphic>
           <a:graphicData uri="http://schemas.openxmlformats.org/drawingml/2006/chart">
-            <c:chart xmlns:c="http://schemas.openxmlformats.org/drawingml/2006/chart" xmlns:r="http://schemas.openxmlformats.org/officeDocument/2006/relationships" r:id="rId2"/>
+            <c:chart xmlns:c="http://schemas.openxmlformats.org/drawingml/2006/chart" r:id="rId2"/>
           </a:graphicData>
         </a:graphic>
       </p:graphicFrame>
@@ -4795,7 +4608,7 @@
 </file>
 
 <file path=ppt/slides/slide26.xml><?xml version="1.0" encoding="utf-8"?>
-<p:sld xmlns:a="http://schemas.openxmlformats.org/drawingml/2006/main" xmlns:r="http://schemas.openxmlformats.org/officeDocument/2006/relationships" xmlns:p="http://schemas.openxmlformats.org/presentationml/2006/main">
+<p:sld xmlns:a="http://schemas.openxmlformats.org/drawingml/2006/main" xmlns:p="http://schemas.openxmlformats.org/presentationml/2006/main" xmlns:r="http://schemas.openxmlformats.org/officeDocument/2006/relationships">
   <p:cSld>
     <p:spTree>
       <p:nvGrpSpPr>
@@ -4803,14 +4616,7 @@
         <p:cNvGrpSpPr/>
         <p:nvPr/>
       </p:nvGrpSpPr>
-      <p:grpSpPr>
-        <a:xfrm>
-          <a:off x="0" y="0"/>
-          <a:ext cx="0" cy="0"/>
-          <a:chOff x="0" y="0"/>
-          <a:chExt cx="0" cy="0"/>
-        </a:xfrm>
-      </p:grpSpPr>
+      <p:grpSpPr/>
       <p:sp>
         <p:nvSpPr>
           <p:cNvPr id="2" name="Title 1"/>
@@ -4872,7 +4678,7 @@
 </file>
 
 <file path=ppt/slides/slide27.xml><?xml version="1.0" encoding="utf-8"?>
-<p:sld xmlns:a="http://schemas.openxmlformats.org/drawingml/2006/main" xmlns:r="http://schemas.openxmlformats.org/officeDocument/2006/relationships" xmlns:p="http://schemas.openxmlformats.org/presentationml/2006/main">
+<p:sld xmlns:a="http://schemas.openxmlformats.org/drawingml/2006/main" xmlns:p="http://schemas.openxmlformats.org/presentationml/2006/main" xmlns:r="http://schemas.openxmlformats.org/officeDocument/2006/relationships">
   <p:cSld>
     <p:spTree>
       <p:nvGrpSpPr>
@@ -4880,14 +4686,7 @@
         <p:cNvGrpSpPr/>
         <p:nvPr/>
       </p:nvGrpSpPr>
-      <p:grpSpPr>
-        <a:xfrm>
-          <a:off x="0" y="0"/>
-          <a:ext cx="0" cy="0"/>
-          <a:chOff x="0" y="0"/>
-          <a:chExt cx="0" cy="0"/>
-        </a:xfrm>
-      </p:grpSpPr>
+      <p:grpSpPr/>
       <p:sp>
         <p:nvSpPr>
           <p:cNvPr id="2" name="Title 1"/>
@@ -4919,38 +4718,27 @@
             <p:ph idx="1"/>
           </p:nvPr>
         </p:nvSpPr>
-        <p:spPr>
-          <a:xfrm>
-            <a:off x="457200" y="1430265"/>
-            <a:ext cx="8229600" cy="4525963"/>
-          </a:xfrm>
-        </p:spPr>
-        <p:txBody>
-          <a:bodyPr>
-            <a:normAutofit fontScale="92500"/>
-          </a:bodyPr>
-          <a:lstStyle/>
-          <a:p>
-            <a:r>
-              <a:rPr dirty="0"/>
+        <p:spPr/>
+        <p:txBody>
+          <a:bodyPr/>
+          <a:lstStyle/>
+          <a:p>
+            <a:r>
               <a:t>Social and cultural determinants are key drivers of health inequities in India and globally.</a:t>
             </a:r>
           </a:p>
           <a:p>
             <a:r>
-              <a:rPr dirty="0"/>
               <a:t>Addressing them requires integrated approaches beyond healthcare.</a:t>
             </a:r>
           </a:p>
           <a:p>
             <a:r>
-              <a:rPr dirty="0"/>
               <a:t>Indian programs like NHM and Ayushman Bharat demonstrate progress, but challenges remain.</a:t>
             </a:r>
           </a:p>
           <a:p>
             <a:r>
-              <a:rPr dirty="0"/>
               <a:t>Comprehensive action can lead to healthier populations and reduced disparities.</a:t>
             </a:r>
           </a:p>
@@ -4965,7 +4753,7 @@
 </file>
 
 <file path=ppt/slides/slide28.xml><?xml version="1.0" encoding="utf-8"?>
-<p:sld xmlns:a="http://schemas.openxmlformats.org/drawingml/2006/main" xmlns:r="http://schemas.openxmlformats.org/officeDocument/2006/relationships" xmlns:p="http://schemas.openxmlformats.org/presentationml/2006/main">
+<p:sld xmlns:a="http://schemas.openxmlformats.org/drawingml/2006/main" xmlns:p="http://schemas.openxmlformats.org/presentationml/2006/main" xmlns:r="http://schemas.openxmlformats.org/officeDocument/2006/relationships">
   <p:cSld>
     <p:spTree>
       <p:nvGrpSpPr>
@@ -4973,14 +4761,7 @@
         <p:cNvGrpSpPr/>
         <p:nvPr/>
       </p:nvGrpSpPr>
-      <p:grpSpPr>
-        <a:xfrm>
-          <a:off x="0" y="0"/>
-          <a:ext cx="0" cy="0"/>
-          <a:chOff x="0" y="0"/>
-          <a:chExt cx="0" cy="0"/>
-        </a:xfrm>
-      </p:grpSpPr>
+      <p:grpSpPr/>
       <p:sp>
         <p:nvSpPr>
           <p:cNvPr id="2" name="Title 1"/>
@@ -5042,7 +4823,7 @@
 </file>
 
 <file path=ppt/slides/slide29.xml><?xml version="1.0" encoding="utf-8"?>
-<p:sld xmlns:a="http://schemas.openxmlformats.org/drawingml/2006/main" xmlns:r="http://schemas.openxmlformats.org/officeDocument/2006/relationships" xmlns:p="http://schemas.openxmlformats.org/presentationml/2006/main">
+<p:sld xmlns:a="http://schemas.openxmlformats.org/drawingml/2006/main" xmlns:p="http://schemas.openxmlformats.org/presentationml/2006/main" xmlns:r="http://schemas.openxmlformats.org/officeDocument/2006/relationships">
   <p:cSld>
     <p:spTree>
       <p:nvGrpSpPr>
@@ -5050,14 +4831,7 @@
         <p:cNvGrpSpPr/>
         <p:nvPr/>
       </p:nvGrpSpPr>
-      <p:grpSpPr>
-        <a:xfrm>
-          <a:off x="0" y="0"/>
-          <a:ext cx="0" cy="0"/>
-          <a:chOff x="0" y="0"/>
-          <a:chExt cx="0" cy="0"/>
-        </a:xfrm>
-      </p:grpSpPr>
+      <p:grpSpPr/>
       <p:sp>
         <p:nvSpPr>
           <p:cNvPr id="2" name="Title 1"/>
@@ -5119,7 +4893,7 @@
 </file>
 
 <file path=ppt/slides/slide3.xml><?xml version="1.0" encoding="utf-8"?>
-<p:sld xmlns:a="http://schemas.openxmlformats.org/drawingml/2006/main" xmlns:r="http://schemas.openxmlformats.org/officeDocument/2006/relationships" xmlns:p="http://schemas.openxmlformats.org/presentationml/2006/main">
+<p:sld xmlns:a="http://schemas.openxmlformats.org/drawingml/2006/main" xmlns:p="http://schemas.openxmlformats.org/presentationml/2006/main" xmlns:r="http://schemas.openxmlformats.org/officeDocument/2006/relationships">
   <p:cSld>
     <p:spTree>
       <p:nvGrpSpPr>
@@ -5127,14 +4901,7 @@
         <p:cNvGrpSpPr/>
         <p:nvPr/>
       </p:nvGrpSpPr>
-      <p:grpSpPr>
-        <a:xfrm>
-          <a:off x="0" y="0"/>
-          <a:ext cx="0" cy="0"/>
-          <a:chOff x="0" y="0"/>
-          <a:chExt cx="0" cy="0"/>
-        </a:xfrm>
-      </p:grpSpPr>
+      <p:grpSpPr/>
       <p:sp>
         <p:nvSpPr>
           <p:cNvPr id="2" name="Title 1"/>
@@ -5231,7 +4998,7 @@
 </file>
 
 <file path=ppt/slides/slide30.xml><?xml version="1.0" encoding="utf-8"?>
-<p:sld xmlns:a="http://schemas.openxmlformats.org/drawingml/2006/main" xmlns:r="http://schemas.openxmlformats.org/officeDocument/2006/relationships" xmlns:p="http://schemas.openxmlformats.org/presentationml/2006/main">
+<p:sld xmlns:a="http://schemas.openxmlformats.org/drawingml/2006/main" xmlns:p="http://schemas.openxmlformats.org/presentationml/2006/main" xmlns:r="http://schemas.openxmlformats.org/officeDocument/2006/relationships">
   <p:cSld>
     <p:spTree>
       <p:nvGrpSpPr>
@@ -5239,14 +5006,7 @@
         <p:cNvGrpSpPr/>
         <p:nvPr/>
       </p:nvGrpSpPr>
-      <p:grpSpPr>
-        <a:xfrm>
-          <a:off x="0" y="0"/>
-          <a:ext cx="0" cy="0"/>
-          <a:chOff x="0" y="0"/>
-          <a:chExt cx="0" cy="0"/>
-        </a:xfrm>
-      </p:grpSpPr>
+      <p:grpSpPr/>
       <p:sp>
         <p:nvSpPr>
           <p:cNvPr id="2" name="Title 1"/>
@@ -5308,7 +5068,7 @@
 </file>
 
 <file path=ppt/slides/slide31.xml><?xml version="1.0" encoding="utf-8"?>
-<p:sld xmlns:a="http://schemas.openxmlformats.org/drawingml/2006/main" xmlns:r="http://schemas.openxmlformats.org/officeDocument/2006/relationships" xmlns:p="http://schemas.openxmlformats.org/presentationml/2006/main">
+<p:sld xmlns:a="http://schemas.openxmlformats.org/drawingml/2006/main" xmlns:p="http://schemas.openxmlformats.org/presentationml/2006/main" xmlns:r="http://schemas.openxmlformats.org/officeDocument/2006/relationships">
   <p:cSld>
     <p:spTree>
       <p:nvGrpSpPr>
@@ -5316,14 +5076,7 @@
         <p:cNvGrpSpPr/>
         <p:nvPr/>
       </p:nvGrpSpPr>
-      <p:grpSpPr>
-        <a:xfrm>
-          <a:off x="0" y="0"/>
-          <a:ext cx="0" cy="0"/>
-          <a:chOff x="0" y="0"/>
-          <a:chExt cx="0" cy="0"/>
-        </a:xfrm>
-      </p:grpSpPr>
+      <p:grpSpPr/>
       <p:sp>
         <p:nvSpPr>
           <p:cNvPr id="2" name="Title 1"/>
@@ -5385,7 +5138,7 @@
 </file>
 
 <file path=ppt/slides/slide32.xml><?xml version="1.0" encoding="utf-8"?>
-<p:sld xmlns:a="http://schemas.openxmlformats.org/drawingml/2006/main" xmlns:r="http://schemas.openxmlformats.org/officeDocument/2006/relationships" xmlns:p="http://schemas.openxmlformats.org/presentationml/2006/main">
+<p:sld xmlns:a="http://schemas.openxmlformats.org/drawingml/2006/main" xmlns:p="http://schemas.openxmlformats.org/presentationml/2006/main" xmlns:r="http://schemas.openxmlformats.org/officeDocument/2006/relationships">
   <p:cSld>
     <p:spTree>
       <p:nvGrpSpPr>
@@ -5393,14 +5146,7 @@
         <p:cNvGrpSpPr/>
         <p:nvPr/>
       </p:nvGrpSpPr>
-      <p:grpSpPr>
-        <a:xfrm>
-          <a:off x="0" y="0"/>
-          <a:ext cx="0" cy="0"/>
-          <a:chOff x="0" y="0"/>
-          <a:chExt cx="0" cy="0"/>
-        </a:xfrm>
-      </p:grpSpPr>
+      <p:grpSpPr/>
       <p:sp>
         <p:nvSpPr>
           <p:cNvPr id="2" name="Title 1"/>
@@ -5432,86 +5178,47 @@
             <p:ph idx="1"/>
           </p:nvPr>
         </p:nvSpPr>
-        <p:spPr>
-          <a:xfrm>
-            <a:off x="457200" y="1615065"/>
-            <a:ext cx="8229600" cy="4525963"/>
-          </a:xfrm>
-        </p:spPr>
-        <p:txBody>
-          <a:bodyPr>
-            <a:normAutofit fontScale="70000" lnSpcReduction="20000"/>
-          </a:bodyPr>
-          <a:lstStyle/>
-          <a:p>
-            <a:pPr marL="0" indent="0">
-              <a:buNone/>
-            </a:pPr>
-            <a:r>
-              <a:rPr dirty="0"/>
+        <p:spPr/>
+        <p:txBody>
+          <a:bodyPr/>
+          <a:lstStyle/>
+          <a:p>
+            <a:r>
               <a:t>• WHO. Social determinants of health. https://www.who.int/health-topics/social-determinants-of-health</a:t>
             </a:r>
           </a:p>
           <a:p>
-            <a:pPr marL="0" indent="0">
-              <a:buNone/>
-            </a:pPr>
-            <a:r>
-              <a:rPr dirty="0"/>
+            <a:r>
               <a:t>• CDC. Social Determinants of Health. https://www.cdc.gov/socialdeterminants/index.html</a:t>
             </a:r>
           </a:p>
           <a:p>
-            <a:pPr marL="0" indent="0">
-              <a:buNone/>
-            </a:pPr>
-            <a:r>
-              <a:rPr dirty="0"/>
+            <a:r>
               <a:t>• NHM. National Health Mission. https://nhm.gov.in/</a:t>
             </a:r>
           </a:p>
           <a:p>
-            <a:pPr marL="0" indent="0">
-              <a:buNone/>
-            </a:pPr>
-            <a:r>
-              <a:rPr dirty="0"/>
+            <a:r>
               <a:t>• NFHS-5. National Family Health Survey. https://rchiips.org/nfhs/</a:t>
             </a:r>
           </a:p>
           <a:p>
-            <a:pPr marL="0" indent="0">
-              <a:buNone/>
-            </a:pPr>
-            <a:r>
-              <a:rPr dirty="0"/>
+            <a:r>
               <a:t>• Chaturvedi et al. (2024). Hypertension. DOI: 10.1161/HYPERTENSIONAHA.123.21354</a:t>
             </a:r>
           </a:p>
           <a:p>
-            <a:pPr marL="0" indent="0">
-              <a:buNone/>
-            </a:pPr>
-            <a:r>
-              <a:rPr dirty="0"/>
+            <a:r>
               <a:t>• Lund et al. (2018). The Lancet Psychiatry. DOI: 10.1016/S2215-0366(18)30060-9</a:t>
             </a:r>
           </a:p>
           <a:p>
-            <a:pPr marL="0" indent="0">
-              <a:buNone/>
-            </a:pPr>
-            <a:r>
-              <a:rPr dirty="0"/>
+            <a:r>
               <a:t>• Cowling et al. (2014). Int J Equity Health. DOI: 10.1186/s12939-014-0088-0</a:t>
             </a:r>
           </a:p>
           <a:p>
-            <a:pPr marL="0" indent="0">
-              <a:buNone/>
-            </a:pPr>
-            <a:r>
-              <a:rPr dirty="0"/>
+            <a:r>
               <a:t>• Victora et al. (2021). The Lancet. DOI: 10.1016/S0140-6736(21)00394-9</a:t>
             </a:r>
           </a:p>
@@ -5526,7 +5233,7 @@
 </file>
 
 <file path=ppt/slides/slide4.xml><?xml version="1.0" encoding="utf-8"?>
-<p:sld xmlns:a="http://schemas.openxmlformats.org/drawingml/2006/main" xmlns:r="http://schemas.openxmlformats.org/officeDocument/2006/relationships" xmlns:p="http://schemas.openxmlformats.org/presentationml/2006/main">
+<p:sld xmlns:a="http://schemas.openxmlformats.org/drawingml/2006/main" xmlns:p="http://schemas.openxmlformats.org/presentationml/2006/main" xmlns:r="http://schemas.openxmlformats.org/officeDocument/2006/relationships">
   <p:cSld>
     <p:spTree>
       <p:nvGrpSpPr>
@@ -5534,14 +5241,7 @@
         <p:cNvGrpSpPr/>
         <p:nvPr/>
       </p:nvGrpSpPr>
-      <p:grpSpPr>
-        <a:xfrm>
-          <a:off x="0" y="0"/>
-          <a:ext cx="0" cy="0"/>
-          <a:chOff x="0" y="0"/>
-          <a:chExt cx="0" cy="0"/>
-        </a:xfrm>
-      </p:grpSpPr>
+      <p:grpSpPr/>
       <p:sp>
         <p:nvSpPr>
           <p:cNvPr id="2" name="Title 1"/>
@@ -5613,7 +5313,7 @@
 </file>
 
 <file path=ppt/slides/slide5.xml><?xml version="1.0" encoding="utf-8"?>
-<p:sld xmlns:a="http://schemas.openxmlformats.org/drawingml/2006/main" xmlns:r="http://schemas.openxmlformats.org/officeDocument/2006/relationships" xmlns:p="http://schemas.openxmlformats.org/presentationml/2006/main">
+<p:sld xmlns:a="http://schemas.openxmlformats.org/drawingml/2006/main" xmlns:p="http://schemas.openxmlformats.org/presentationml/2006/main" xmlns:r="http://schemas.openxmlformats.org/officeDocument/2006/relationships">
   <p:cSld>
     <p:spTree>
       <p:nvGrpSpPr>
@@ -5621,14 +5321,7 @@
         <p:cNvGrpSpPr/>
         <p:nvPr/>
       </p:nvGrpSpPr>
-      <p:grpSpPr>
-        <a:xfrm>
-          <a:off x="0" y="0"/>
-          <a:ext cx="0" cy="0"/>
-          <a:chOff x="0" y="0"/>
-          <a:chExt cx="0" cy="0"/>
-        </a:xfrm>
-      </p:grpSpPr>
+      <p:grpSpPr/>
       <p:sp>
         <p:nvSpPr>
           <p:cNvPr id="2" name="Title 1"/>
@@ -5695,7 +5388,7 @@
 </file>
 
 <file path=ppt/slides/slide6.xml><?xml version="1.0" encoding="utf-8"?>
-<p:sld xmlns:a="http://schemas.openxmlformats.org/drawingml/2006/main" xmlns:r="http://schemas.openxmlformats.org/officeDocument/2006/relationships" xmlns:p="http://schemas.openxmlformats.org/presentationml/2006/main">
+<p:sld xmlns:a="http://schemas.openxmlformats.org/drawingml/2006/main" xmlns:p="http://schemas.openxmlformats.org/presentationml/2006/main" xmlns:r="http://schemas.openxmlformats.org/officeDocument/2006/relationships">
   <p:cSld>
     <p:spTree>
       <p:nvGrpSpPr>
@@ -5703,14 +5396,7 @@
         <p:cNvGrpSpPr/>
         <p:nvPr/>
       </p:nvGrpSpPr>
-      <p:grpSpPr>
-        <a:xfrm>
-          <a:off x="0" y="0"/>
-          <a:ext cx="0" cy="0"/>
-          <a:chOff x="0" y="0"/>
-          <a:chExt cx="0" cy="0"/>
-        </a:xfrm>
-      </p:grpSpPr>
+      <p:grpSpPr/>
       <p:sp>
         <p:nvSpPr>
           <p:cNvPr id="2" name="Title 1"/>
@@ -5772,7 +5458,7 @@
 </file>
 
 <file path=ppt/slides/slide7.xml><?xml version="1.0" encoding="utf-8"?>
-<p:sld xmlns:a="http://schemas.openxmlformats.org/drawingml/2006/main" xmlns:r="http://schemas.openxmlformats.org/officeDocument/2006/relationships" xmlns:p="http://schemas.openxmlformats.org/presentationml/2006/main">
+<p:sld xmlns:a="http://schemas.openxmlformats.org/drawingml/2006/main" xmlns:p="http://schemas.openxmlformats.org/presentationml/2006/main" xmlns:r="http://schemas.openxmlformats.org/officeDocument/2006/relationships">
   <p:cSld>
     <p:spTree>
       <p:nvGrpSpPr>
@@ -5780,14 +5466,7 @@
         <p:cNvGrpSpPr/>
         <p:nvPr/>
       </p:nvGrpSpPr>
-      <p:grpSpPr>
-        <a:xfrm>
-          <a:off x="0" y="0"/>
-          <a:ext cx="0" cy="0"/>
-          <a:chOff x="0" y="0"/>
-          <a:chExt cx="0" cy="0"/>
-        </a:xfrm>
-      </p:grpSpPr>
+      <p:grpSpPr/>
       <p:sp>
         <p:nvSpPr>
           <p:cNvPr id="2" name="Title 1"/>
@@ -5849,7 +5528,7 @@
 </file>
 
 <file path=ppt/slides/slide8.xml><?xml version="1.0" encoding="utf-8"?>
-<p:sld xmlns:a="http://schemas.openxmlformats.org/drawingml/2006/main" xmlns:r="http://schemas.openxmlformats.org/officeDocument/2006/relationships" xmlns:p="http://schemas.openxmlformats.org/presentationml/2006/main">
+<p:sld xmlns:a="http://schemas.openxmlformats.org/drawingml/2006/main" xmlns:p="http://schemas.openxmlformats.org/presentationml/2006/main" xmlns:r="http://schemas.openxmlformats.org/officeDocument/2006/relationships">
   <p:cSld>
     <p:spTree>
       <p:nvGrpSpPr>
@@ -5857,14 +5536,7 @@
         <p:cNvGrpSpPr/>
         <p:nvPr/>
       </p:nvGrpSpPr>
-      <p:grpSpPr>
-        <a:xfrm>
-          <a:off x="0" y="0"/>
-          <a:ext cx="0" cy="0"/>
-          <a:chOff x="0" y="0"/>
-          <a:chExt cx="0" cy="0"/>
-        </a:xfrm>
-      </p:grpSpPr>
+      <p:grpSpPr/>
       <p:sp>
         <p:nvSpPr>
           <p:cNvPr id="2" name="Title 1"/>
@@ -5921,7 +5593,7 @@
 </file>
 
 <file path=ppt/slides/slide9.xml><?xml version="1.0" encoding="utf-8"?>
-<p:sld xmlns:a="http://schemas.openxmlformats.org/drawingml/2006/main" xmlns:r="http://schemas.openxmlformats.org/officeDocument/2006/relationships" xmlns:p="http://schemas.openxmlformats.org/presentationml/2006/main">
+<p:sld xmlns:a="http://schemas.openxmlformats.org/drawingml/2006/main" xmlns:p="http://schemas.openxmlformats.org/presentationml/2006/main" xmlns:r="http://schemas.openxmlformats.org/officeDocument/2006/relationships">
   <p:cSld>
     <p:spTree>
       <p:nvGrpSpPr>
@@ -5929,14 +5601,7 @@
         <p:cNvGrpSpPr/>
         <p:nvPr/>
       </p:nvGrpSpPr>
-      <p:grpSpPr>
-        <a:xfrm>
-          <a:off x="0" y="0"/>
-          <a:ext cx="0" cy="0"/>
-          <a:chOff x="0" y="0"/>
-          <a:chExt cx="0" cy="0"/>
-        </a:xfrm>
-      </p:grpSpPr>
+      <p:grpSpPr/>
       <p:sp>
         <p:nvSpPr>
           <p:cNvPr id="2" name="Title 1"/>
